--- a/Presentation.pptx
+++ b/Presentation.pptx
@@ -26,37 +26,37 @@
   <p:notesSz cx="6858000" cy="9144000"/>
   <p:embeddedFontLst>
     <p:embeddedFont>
-      <p:font typeface="배달의민족 도현" panose="020B0600000101010101" charset="-127"/>
+      <p:font typeface="Arial Rounded MT Bold" panose="020F0704030504030204" pitchFamily="34" charset="0"/>
       <p:regular r:id="rId16"/>
-      <p:bold r:id="rId17"/>
-      <p:italic r:id="rId18"/>
-      <p:boldItalic r:id="rId19"/>
     </p:embeddedFont>
     <p:embeddedFont>
-      <p:font typeface="배달의민족 연성" panose="020B0600000101010101" charset="-127"/>
-      <p:regular r:id="rId20"/>
-      <p:bold r:id="rId21"/>
-      <p:italic r:id="rId22"/>
-      <p:boldItalic r:id="rId23"/>
+      <p:font typeface="맑은 고딕" panose="020B0503020000020004" pitchFamily="50" charset="-127"/>
+      <p:regular r:id="rId17"/>
+      <p:bold r:id="rId18"/>
     </p:embeddedFont>
     <p:embeddedFont>
-      <p:font typeface="배달의민족 주아" panose="020B0600000101010101" charset="-127"/>
-      <p:regular r:id="rId24"/>
-      <p:bold r:id="rId25"/>
-      <p:italic r:id="rId26"/>
-      <p:boldItalic r:id="rId27"/>
+      <p:font typeface="배달의민족 도현" panose="020B0600000101010101" charset="0"/>
+      <p:regular r:id="rId19"/>
+      <p:bold r:id="rId20"/>
+      <p:italic r:id="rId21"/>
+      <p:boldItalic r:id="rId22"/>
+    </p:embeddedFont>
+    <p:embeddedFont>
+      <p:font typeface="배달의민족 연성" panose="020B0600000101010101" charset="0"/>
+      <p:regular r:id="rId23"/>
+      <p:bold r:id="rId24"/>
+      <p:italic r:id="rId25"/>
+      <p:boldItalic r:id="rId26"/>
+    </p:embeddedFont>
+    <p:embeddedFont>
+      <p:font typeface="배달의민족 주아" panose="020B0600000101010101" charset="0"/>
+      <p:regular r:id="rId27"/>
+      <p:bold r:id="rId28"/>
+      <p:italic r:id="rId29"/>
+      <p:boldItalic r:id="rId30"/>
     </p:embeddedFont>
     <p:embeddedFont>
       <p:font typeface="한컴 고딕" panose="02000500000000000000" pitchFamily="2" charset="-127"/>
-      <p:regular r:id="rId28"/>
-      <p:bold r:id="rId29"/>
-    </p:embeddedFont>
-    <p:embeddedFont>
-      <p:font typeface="Arial Rounded MT Bold" panose="020F0704030504030204" pitchFamily="34" charset="0"/>
-      <p:regular r:id="rId30"/>
-    </p:embeddedFont>
-    <p:embeddedFont>
-      <p:font typeface="맑은 고딕" panose="020B0503020000020004" pitchFamily="50" charset="-127"/>
       <p:regular r:id="rId31"/>
       <p:bold r:id="rId32"/>
     </p:embeddedFont>
@@ -652,50 +652,7 @@
           <a:bodyPr/>
           <a:lstStyle/>
           <a:p>
-            <a:r>
-              <a:rPr lang="ko-KR" altLang="en-US" dirty="0"/>
-              <a:t>라인 </a:t>
-            </a:r>
-            <a:r>
-              <a:rPr lang="ko-KR" altLang="en-US" dirty="0" err="1"/>
-              <a:t>챗봇을</a:t>
-            </a:r>
-            <a:r>
-              <a:rPr lang="ko-KR" altLang="en-US" dirty="0"/>
-              <a:t> 사용하려면 </a:t>
-            </a:r>
-            <a:r>
-              <a:rPr lang="ko-KR" altLang="en-US" dirty="0" err="1"/>
-              <a:t>설정해야하는</a:t>
-            </a:r>
-            <a:r>
-              <a:rPr lang="ko-KR" altLang="en-US" dirty="0"/>
-              <a:t> </a:t>
-            </a:r>
-            <a:r>
-              <a:rPr lang="ko-KR" altLang="en-US" dirty="0" err="1"/>
-              <a:t>것들중</a:t>
-            </a:r>
-            <a:r>
-              <a:rPr lang="ko-KR" altLang="en-US" dirty="0"/>
-              <a:t> 라우팅을 </a:t>
-            </a:r>
-            <a:r>
-              <a:rPr lang="ko-KR" altLang="en-US" dirty="0" err="1"/>
-              <a:t>해야하는데</a:t>
-            </a:r>
-            <a:r>
-              <a:rPr lang="ko-KR" altLang="en-US" dirty="0"/>
-              <a:t> </a:t>
-            </a:r>
-            <a:r>
-              <a:rPr lang="en-US" altLang="ko-KR" dirty="0"/>
-              <a:t>express</a:t>
-            </a:r>
-            <a:r>
-              <a:rPr lang="ko-KR" altLang="en-US" dirty="0"/>
-              <a:t>사용</a:t>
-            </a:r>
+            <a:endParaRPr lang="ko-KR" altLang="en-US" dirty="0"/>
           </a:p>
         </p:txBody>
       </p:sp>
@@ -726,6 +683,90 @@
     <p:extLst>
       <p:ext uri="{BB962C8B-B14F-4D97-AF65-F5344CB8AC3E}">
         <p14:creationId xmlns:p14="http://schemas.microsoft.com/office/powerpoint/2010/main" val="341210478"/>
+      </p:ext>
+    </p:extLst>
+  </p:cSld>
+  <p:clrMapOvr>
+    <a:masterClrMapping/>
+  </p:clrMapOvr>
+</p:notes>
+</file>
+
+<file path=ppt/notesSlides/notesSlide3.xml><?xml version="1.0" encoding="utf-8"?>
+<p:notes xmlns:a="http://schemas.openxmlformats.org/drawingml/2006/main" xmlns:r="http://schemas.openxmlformats.org/officeDocument/2006/relationships" xmlns:p="http://schemas.openxmlformats.org/presentationml/2006/main">
+  <p:cSld>
+    <p:spTree>
+      <p:nvGrpSpPr>
+        <p:cNvPr id="1" name=""/>
+        <p:cNvGrpSpPr/>
+        <p:nvPr/>
+      </p:nvGrpSpPr>
+      <p:grpSpPr>
+        <a:xfrm>
+          <a:off x="0" y="0"/>
+          <a:ext cx="0" cy="0"/>
+          <a:chOff x="0" y="0"/>
+          <a:chExt cx="0" cy="0"/>
+        </a:xfrm>
+      </p:grpSpPr>
+      <p:sp>
+        <p:nvSpPr>
+          <p:cNvPr id="2" name="슬라이드 이미지 개체 틀 1"/>
+          <p:cNvSpPr>
+            <a:spLocks noGrp="1" noRot="1" noChangeAspect="1"/>
+          </p:cNvSpPr>
+          <p:nvPr>
+            <p:ph type="sldImg"/>
+          </p:nvPr>
+        </p:nvSpPr>
+        <p:spPr/>
+      </p:sp>
+      <p:sp>
+        <p:nvSpPr>
+          <p:cNvPr id="3" name="슬라이드 노트 개체 틀 2"/>
+          <p:cNvSpPr>
+            <a:spLocks noGrp="1"/>
+          </p:cNvSpPr>
+          <p:nvPr>
+            <p:ph type="body" idx="1"/>
+          </p:nvPr>
+        </p:nvSpPr>
+        <p:spPr/>
+        <p:txBody>
+          <a:bodyPr/>
+          <a:lstStyle/>
+          <a:p>
+            <a:endParaRPr lang="ko-KR" altLang="en-US" dirty="0"/>
+          </a:p>
+        </p:txBody>
+      </p:sp>
+      <p:sp>
+        <p:nvSpPr>
+          <p:cNvPr id="4" name="슬라이드 번호 개체 틀 3"/>
+          <p:cNvSpPr>
+            <a:spLocks noGrp="1"/>
+          </p:cNvSpPr>
+          <p:nvPr>
+            <p:ph type="sldNum" sz="quarter" idx="5"/>
+          </p:nvPr>
+        </p:nvSpPr>
+        <p:spPr/>
+        <p:txBody>
+          <a:bodyPr/>
+          <a:lstStyle/>
+          <a:p>
+            <a:fld id="{29EF997F-32AA-4654-8B0D-56C8278BDD84}" type="slidenum">
+              <a:rPr lang="ko-KR" altLang="en-US" smtClean="0"/>
+              <a:t>13</a:t>
+            </a:fld>
+            <a:endParaRPr lang="ko-KR" altLang="en-US"/>
+          </a:p>
+        </p:txBody>
+      </p:sp>
+    </p:spTree>
+    <p:extLst>
+      <p:ext uri="{BB962C8B-B14F-4D97-AF65-F5344CB8AC3E}">
+        <p14:creationId xmlns:p14="http://schemas.microsoft.com/office/powerpoint/2010/main" val="3599450607"/>
       </p:ext>
     </p:extLst>
   </p:cSld>
@@ -7904,6 +7945,58 @@
           <a:chExt cx="0" cy="0"/>
         </a:xfrm>
       </p:grpSpPr>
+      <p:sp>
+        <p:nvSpPr>
+          <p:cNvPr id="17" name="직사각형 16">
+            <a:extLst>
+              <a:ext uri="{FF2B5EF4-FFF2-40B4-BE49-F238E27FC236}">
+                <a16:creationId xmlns:a16="http://schemas.microsoft.com/office/drawing/2014/main" id="{D086B122-D394-43CB-BC54-9D72FE046C78}"/>
+              </a:ext>
+            </a:extLst>
+          </p:cNvPr>
+          <p:cNvSpPr/>
+          <p:nvPr/>
+        </p:nvSpPr>
+        <p:spPr>
+          <a:xfrm>
+            <a:off x="828675" y="499530"/>
+            <a:ext cx="11363325" cy="6358470"/>
+          </a:xfrm>
+          <a:prstGeom prst="rect">
+            <a:avLst/>
+          </a:prstGeom>
+          <a:solidFill>
+            <a:schemeClr val="bg1"/>
+          </a:solidFill>
+          <a:ln>
+            <a:noFill/>
+          </a:ln>
+        </p:spPr>
+        <p:style>
+          <a:lnRef idx="2">
+            <a:schemeClr val="accent1">
+              <a:shade val="50000"/>
+            </a:schemeClr>
+          </a:lnRef>
+          <a:fillRef idx="1">
+            <a:schemeClr val="accent1"/>
+          </a:fillRef>
+          <a:effectRef idx="0">
+            <a:schemeClr val="accent1"/>
+          </a:effectRef>
+          <a:fontRef idx="minor">
+            <a:schemeClr val="lt1"/>
+          </a:fontRef>
+        </p:style>
+        <p:txBody>
+          <a:bodyPr rtlCol="0" anchor="ctr"/>
+          <a:lstStyle/>
+          <a:p>
+            <a:pPr algn="ctr"/>
+            <a:endParaRPr lang="ko-KR" altLang="en-US" dirty="0"/>
+          </a:p>
+        </p:txBody>
+      </p:sp>
       <p:graphicFrame>
         <p:nvGraphicFramePr>
           <p:cNvPr id="7" name="표 6">
@@ -9456,7 +9549,7 @@
         </p:nvSpPr>
         <p:spPr>
           <a:xfrm>
-            <a:off x="6720397" y="2747562"/>
+            <a:off x="6232125" y="2676540"/>
             <a:ext cx="4909351" cy="1631216"/>
           </a:xfrm>
           <a:prstGeom prst="rect">
@@ -9585,6 +9678,47 @@
           <a:prstGeom prst="rect">
             <a:avLst/>
           </a:prstGeom>
+        </p:spPr>
+      </p:pic>
+      <p:pic>
+        <p:nvPicPr>
+          <p:cNvPr id="16" name="그림 15">
+            <a:extLst>
+              <a:ext uri="{FF2B5EF4-FFF2-40B4-BE49-F238E27FC236}">
+                <a16:creationId xmlns:a16="http://schemas.microsoft.com/office/drawing/2014/main" id="{309D6549-149B-4F90-A839-4CFB3869794F}"/>
+              </a:ext>
+            </a:extLst>
+          </p:cNvPr>
+          <p:cNvPicPr>
+            <a:picLocks noChangeAspect="1"/>
+          </p:cNvPicPr>
+          <p:nvPr/>
+        </p:nvPicPr>
+        <p:blipFill>
+          <a:blip r:embed="rId3" cstate="print">
+            <a:extLst>
+              <a:ext uri="{28A0092B-C50C-407E-A947-70E740481C1C}">
+                <a14:useLocalDpi xmlns:a14="http://schemas.microsoft.com/office/drawing/2010/main" val="0"/>
+              </a:ext>
+            </a:extLst>
+          </a:blip>
+          <a:stretch>
+            <a:fillRect/>
+          </a:stretch>
+        </p:blipFill>
+        <p:spPr>
+          <a:xfrm>
+            <a:off x="2495891" y="1902041"/>
+            <a:ext cx="3463985" cy="3053918"/>
+          </a:xfrm>
+          <a:prstGeom prst="rect">
+            <a:avLst/>
+          </a:prstGeom>
+          <a:ln>
+            <a:solidFill>
+              <a:srgbClr val="71AE48"/>
+            </a:solidFill>
+          </a:ln>
         </p:spPr>
       </p:pic>
     </p:spTree>
@@ -11163,7 +11297,7 @@
         </p:nvSpPr>
         <p:spPr>
           <a:xfrm>
-            <a:off x="2439713" y="1940190"/>
+            <a:off x="2439713" y="2808870"/>
             <a:ext cx="7084589" cy="400110"/>
           </a:xfrm>
           <a:prstGeom prst="rect">
@@ -11207,7 +11341,7 @@
         </p:nvSpPr>
         <p:spPr>
           <a:xfrm>
-            <a:off x="2439711" y="3342957"/>
+            <a:off x="2439711" y="4211637"/>
             <a:ext cx="7084589" cy="400110"/>
           </a:xfrm>
           <a:prstGeom prst="rect">
@@ -11251,7 +11385,7 @@
         </p:nvSpPr>
         <p:spPr>
           <a:xfrm>
-            <a:off x="2439712" y="4683783"/>
+            <a:off x="2439712" y="5552463"/>
             <a:ext cx="7084589" cy="400110"/>
           </a:xfrm>
           <a:prstGeom prst="rect">
@@ -11343,7 +11477,7 @@
         </p:nvSpPr>
         <p:spPr>
           <a:xfrm>
-            <a:off x="1947499" y="1993031"/>
+            <a:off x="1947499" y="2861711"/>
             <a:ext cx="276224" cy="268869"/>
           </a:xfrm>
           <a:prstGeom prst="ellipse">
@@ -11403,7 +11537,7 @@
         </p:nvSpPr>
         <p:spPr>
           <a:xfrm>
-            <a:off x="1947499" y="3408578"/>
+            <a:off x="1947499" y="4277258"/>
             <a:ext cx="276224" cy="268869"/>
           </a:xfrm>
           <a:prstGeom prst="ellipse">
@@ -11463,7 +11597,127 @@
         </p:nvSpPr>
         <p:spPr>
           <a:xfrm>
-            <a:off x="1952640" y="4749403"/>
+            <a:off x="1952640" y="5618083"/>
+            <a:ext cx="276224" cy="268869"/>
+          </a:xfrm>
+          <a:prstGeom prst="ellipse">
+            <a:avLst/>
+          </a:prstGeom>
+          <a:solidFill>
+            <a:schemeClr val="bg1"/>
+          </a:solidFill>
+          <a:ln w="6350">
+            <a:solidFill>
+              <a:srgbClr val="71AE48"/>
+            </a:solidFill>
+          </a:ln>
+        </p:spPr>
+        <p:style>
+          <a:lnRef idx="2">
+            <a:schemeClr val="accent1">
+              <a:shade val="50000"/>
+            </a:schemeClr>
+          </a:lnRef>
+          <a:fillRef idx="1">
+            <a:schemeClr val="accent1"/>
+          </a:fillRef>
+          <a:effectRef idx="0">
+            <a:schemeClr val="accent1"/>
+          </a:effectRef>
+          <a:fontRef idx="minor">
+            <a:schemeClr val="lt1"/>
+          </a:fontRef>
+        </p:style>
+        <p:txBody>
+          <a:bodyPr rtlCol="0" anchor="ctr"/>
+          <a:lstStyle/>
+          <a:p>
+            <a:pPr algn="ctr"/>
+            <a:endParaRPr lang="ko-KR" altLang="en-US" dirty="0">
+              <a:solidFill>
+                <a:prstClr val="white"/>
+              </a:solidFill>
+              <a:latin typeface="배달의민족 주아" panose="02020603020101020101" pitchFamily="18" charset="-127"/>
+              <a:ea typeface="배달의민족 주아" panose="02020603020101020101" pitchFamily="18" charset="-127"/>
+            </a:endParaRPr>
+          </a:p>
+        </p:txBody>
+      </p:sp>
+      <p:sp>
+        <p:nvSpPr>
+          <p:cNvPr id="14" name="TextBox 13">
+            <a:extLst>
+              <a:ext uri="{FF2B5EF4-FFF2-40B4-BE49-F238E27FC236}">
+                <a16:creationId xmlns:a16="http://schemas.microsoft.com/office/drawing/2014/main" id="{A2DDB7B7-1E0E-4056-902E-BB9B9A53F610}"/>
+              </a:ext>
+            </a:extLst>
+          </p:cNvPr>
+          <p:cNvSpPr txBox="1"/>
+          <p:nvPr/>
+        </p:nvSpPr>
+        <p:spPr>
+          <a:xfrm>
+            <a:off x="2425169" y="1480567"/>
+            <a:ext cx="9464972" cy="400110"/>
+          </a:xfrm>
+          <a:prstGeom prst="rect">
+            <a:avLst/>
+          </a:prstGeom>
+          <a:noFill/>
+        </p:spPr>
+        <p:txBody>
+          <a:bodyPr wrap="square" rtlCol="0">
+            <a:spAutoFit/>
+          </a:bodyPr>
+          <a:lstStyle/>
+          <a:p>
+            <a:r>
+              <a:rPr lang="ko-KR" altLang="en-US" sz="2000" b="1" dirty="0">
+                <a:latin typeface="한컴 고딕" panose="02000500000000000000" pitchFamily="2" charset="-127"/>
+                <a:ea typeface="한컴 고딕" panose="02000500000000000000" pitchFamily="2" charset="-127"/>
+                <a:cs typeface="함초롬돋움" panose="020B0604000101010101" pitchFamily="50" charset="-127"/>
+              </a:rPr>
+              <a:t>현재 전공필수과목 위주로 추천 </a:t>
+            </a:r>
+            <a:r>
+              <a:rPr lang="en-US" altLang="ko-KR" sz="2000" b="1" dirty="0">
+                <a:latin typeface="한컴 고딕" panose="02000500000000000000" pitchFamily="2" charset="-127"/>
+                <a:ea typeface="한컴 고딕" panose="02000500000000000000" pitchFamily="2" charset="-127"/>
+                <a:cs typeface="함초롬돋움" panose="020B0604000101010101" pitchFamily="50" charset="-127"/>
+              </a:rPr>
+              <a:t>- </a:t>
+            </a:r>
+            <a:r>
+              <a:rPr lang="ko-KR" altLang="en-US" sz="2000" b="1" dirty="0">
+                <a:latin typeface="한컴 고딕" panose="02000500000000000000" pitchFamily="2" charset="-127"/>
+                <a:ea typeface="한컴 고딕" panose="02000500000000000000" pitchFamily="2" charset="-127"/>
+                <a:cs typeface="함초롬돋움" panose="020B0604000101010101" pitchFamily="50" charset="-127"/>
+              </a:rPr>
+              <a:t>전공 선택과목도 추가 예정</a:t>
+            </a:r>
+            <a:endParaRPr lang="en-US" altLang="ko-KR" sz="2000" b="1" dirty="0">
+              <a:latin typeface="한컴 고딕" panose="02000500000000000000" pitchFamily="2" charset="-127"/>
+              <a:ea typeface="한컴 고딕" panose="02000500000000000000" pitchFamily="2" charset="-127"/>
+              <a:cs typeface="함초롬돋움" panose="020B0604000101010101" pitchFamily="50" charset="-127"/>
+            </a:endParaRPr>
+          </a:p>
+        </p:txBody>
+      </p:sp>
+      <p:sp>
+        <p:nvSpPr>
+          <p:cNvPr id="17" name="타원 16">
+            <a:extLst>
+              <a:ext uri="{FF2B5EF4-FFF2-40B4-BE49-F238E27FC236}">
+                <a16:creationId xmlns:a16="http://schemas.microsoft.com/office/drawing/2014/main" id="{BB118AE6-66A3-45A8-A3C7-D7ED6171B4E6}"/>
+              </a:ext>
+            </a:extLst>
+          </p:cNvPr>
+          <p:cNvSpPr/>
+          <p:nvPr/>
+        </p:nvSpPr>
+        <p:spPr>
+          <a:xfrm>
+            <a:off x="1947499" y="1493807"/>
             <a:ext cx="276224" cy="268869"/>
           </a:xfrm>
           <a:prstGeom prst="ellipse">
@@ -11554,13 +11808,13 @@
           <p:nvPr/>
         </p:nvPicPr>
         <p:blipFill>
-          <a:blip r:embed="rId2">
+          <a:blip r:embed="rId3">
             <a:extLst>
               <a:ext uri="{28A0092B-C50C-407E-A947-70E740481C1C}">
                 <a14:useLocalDpi xmlns:a14="http://schemas.microsoft.com/office/drawing/2010/main" val="0"/>
               </a:ext>
               <a:ext uri="{96DAC541-7B7A-43D3-8B79-37D633B846F1}">
-                <asvg:svgBlip xmlns:asvg="http://schemas.microsoft.com/office/drawing/2016/SVG/main" r:embed="rId3"/>
+                <asvg:svgBlip xmlns:asvg="http://schemas.microsoft.com/office/drawing/2016/SVG/main" r:embed="rId4"/>
               </a:ext>
             </a:extLst>
           </a:blip>
@@ -17453,6 +17707,325 @@
           </a:p>
         </p:txBody>
       </p:sp>
+      <p:pic>
+        <p:nvPicPr>
+          <p:cNvPr id="15" name="그림 14">
+            <a:extLst>
+              <a:ext uri="{FF2B5EF4-FFF2-40B4-BE49-F238E27FC236}">
+                <a16:creationId xmlns:a16="http://schemas.microsoft.com/office/drawing/2014/main" id="{61D326CA-2F83-44CF-8D1D-D54E04907DB2}"/>
+              </a:ext>
+            </a:extLst>
+          </p:cNvPr>
+          <p:cNvPicPr>
+            <a:picLocks noChangeAspect="1"/>
+          </p:cNvPicPr>
+          <p:nvPr/>
+        </p:nvPicPr>
+        <p:blipFill>
+          <a:blip r:embed="rId2" cstate="print">
+            <a:extLst>
+              <a:ext uri="{28A0092B-C50C-407E-A947-70E740481C1C}">
+                <a14:useLocalDpi xmlns:a14="http://schemas.microsoft.com/office/drawing/2010/main" val="0"/>
+              </a:ext>
+            </a:extLst>
+          </a:blip>
+          <a:stretch>
+            <a:fillRect/>
+          </a:stretch>
+        </p:blipFill>
+        <p:spPr>
+          <a:xfrm>
+            <a:off x="2374889" y="1035995"/>
+            <a:ext cx="2256928" cy="5285545"/>
+          </a:xfrm>
+          <a:prstGeom prst="rect">
+            <a:avLst/>
+          </a:prstGeom>
+        </p:spPr>
+      </p:pic>
+      <p:pic>
+        <p:nvPicPr>
+          <p:cNvPr id="17" name="그림 16">
+            <a:extLst>
+              <a:ext uri="{FF2B5EF4-FFF2-40B4-BE49-F238E27FC236}">
+                <a16:creationId xmlns:a16="http://schemas.microsoft.com/office/drawing/2014/main" id="{C80C2683-CECC-453D-910C-D722FABEEB96}"/>
+              </a:ext>
+            </a:extLst>
+          </p:cNvPr>
+          <p:cNvPicPr>
+            <a:picLocks noChangeAspect="1"/>
+          </p:cNvPicPr>
+          <p:nvPr/>
+        </p:nvPicPr>
+        <p:blipFill>
+          <a:blip r:embed="rId3" cstate="print">
+            <a:extLst>
+              <a:ext uri="{28A0092B-C50C-407E-A947-70E740481C1C}">
+                <a14:useLocalDpi xmlns:a14="http://schemas.microsoft.com/office/drawing/2010/main" val="0"/>
+              </a:ext>
+            </a:extLst>
+          </a:blip>
+          <a:stretch>
+            <a:fillRect/>
+          </a:stretch>
+        </p:blipFill>
+        <p:spPr>
+          <a:xfrm>
+            <a:off x="8541491" y="4291337"/>
+            <a:ext cx="2005699" cy="2242630"/>
+          </a:xfrm>
+          <a:prstGeom prst="rect">
+            <a:avLst/>
+          </a:prstGeom>
+        </p:spPr>
+      </p:pic>
+      <p:sp>
+        <p:nvSpPr>
+          <p:cNvPr id="18" name="화살표: 오른쪽 17">
+            <a:extLst>
+              <a:ext uri="{FF2B5EF4-FFF2-40B4-BE49-F238E27FC236}">
+                <a16:creationId xmlns:a16="http://schemas.microsoft.com/office/drawing/2014/main" id="{C5BD2E44-E9E3-4175-AC79-62233337C334}"/>
+              </a:ext>
+            </a:extLst>
+          </p:cNvPr>
+          <p:cNvSpPr/>
+          <p:nvPr/>
+        </p:nvSpPr>
+        <p:spPr>
+          <a:xfrm>
+            <a:off x="5696005" y="1989223"/>
+            <a:ext cx="1781298" cy="246413"/>
+          </a:xfrm>
+          <a:prstGeom prst="rightArrow">
+            <a:avLst/>
+          </a:prstGeom>
+          <a:solidFill>
+            <a:srgbClr val="71AE48"/>
+          </a:solidFill>
+          <a:ln>
+            <a:solidFill>
+              <a:srgbClr val="71AE48"/>
+            </a:solidFill>
+          </a:ln>
+        </p:spPr>
+        <p:style>
+          <a:lnRef idx="2">
+            <a:schemeClr val="accent1">
+              <a:shade val="50000"/>
+            </a:schemeClr>
+          </a:lnRef>
+          <a:fillRef idx="1">
+            <a:schemeClr val="accent1"/>
+          </a:fillRef>
+          <a:effectRef idx="0">
+            <a:schemeClr val="accent1"/>
+          </a:effectRef>
+          <a:fontRef idx="minor">
+            <a:schemeClr val="lt1"/>
+          </a:fontRef>
+        </p:style>
+        <p:txBody>
+          <a:bodyPr rtlCol="0" anchor="ctr"/>
+          <a:lstStyle/>
+          <a:p>
+            <a:pPr algn="ctr"/>
+            <a:endParaRPr lang="ko-KR" altLang="en-US" dirty="0"/>
+          </a:p>
+        </p:txBody>
+      </p:sp>
+      <p:pic>
+        <p:nvPicPr>
+          <p:cNvPr id="20" name="그림 19">
+            <a:extLst>
+              <a:ext uri="{FF2B5EF4-FFF2-40B4-BE49-F238E27FC236}">
+                <a16:creationId xmlns:a16="http://schemas.microsoft.com/office/drawing/2014/main" id="{9322E356-E1C3-4448-AF99-CC95FBFD0C88}"/>
+              </a:ext>
+            </a:extLst>
+          </p:cNvPr>
+          <p:cNvPicPr>
+            <a:picLocks noChangeAspect="1"/>
+          </p:cNvPicPr>
+          <p:nvPr/>
+        </p:nvPicPr>
+        <p:blipFill>
+          <a:blip r:embed="rId4" cstate="print">
+            <a:extLst>
+              <a:ext uri="{28A0092B-C50C-407E-A947-70E740481C1C}">
+                <a14:useLocalDpi xmlns:a14="http://schemas.microsoft.com/office/drawing/2010/main" val="0"/>
+              </a:ext>
+            </a:extLst>
+          </a:blip>
+          <a:stretch>
+            <a:fillRect/>
+          </a:stretch>
+        </p:blipFill>
+        <p:spPr>
+          <a:xfrm>
+            <a:off x="8541491" y="812301"/>
+            <a:ext cx="1851633" cy="2846669"/>
+          </a:xfrm>
+          <a:prstGeom prst="rect">
+            <a:avLst/>
+          </a:prstGeom>
+        </p:spPr>
+      </p:pic>
+      <p:sp>
+        <p:nvSpPr>
+          <p:cNvPr id="21" name="화살표: 오른쪽 20">
+            <a:extLst>
+              <a:ext uri="{FF2B5EF4-FFF2-40B4-BE49-F238E27FC236}">
+                <a16:creationId xmlns:a16="http://schemas.microsoft.com/office/drawing/2014/main" id="{B7B17585-34AD-49C1-88D6-884C419C0633}"/>
+              </a:ext>
+            </a:extLst>
+          </p:cNvPr>
+          <p:cNvSpPr/>
+          <p:nvPr/>
+        </p:nvSpPr>
+        <p:spPr>
+          <a:xfrm>
+            <a:off x="5696005" y="5009111"/>
+            <a:ext cx="1781298" cy="246413"/>
+          </a:xfrm>
+          <a:prstGeom prst="rightArrow">
+            <a:avLst/>
+          </a:prstGeom>
+          <a:solidFill>
+            <a:srgbClr val="71AE48"/>
+          </a:solidFill>
+          <a:ln>
+            <a:solidFill>
+              <a:srgbClr val="71AE48"/>
+            </a:solidFill>
+          </a:ln>
+        </p:spPr>
+        <p:style>
+          <a:lnRef idx="2">
+            <a:schemeClr val="accent1">
+              <a:shade val="50000"/>
+            </a:schemeClr>
+          </a:lnRef>
+          <a:fillRef idx="1">
+            <a:schemeClr val="accent1"/>
+          </a:fillRef>
+          <a:effectRef idx="0">
+            <a:schemeClr val="accent1"/>
+          </a:effectRef>
+          <a:fontRef idx="minor">
+            <a:schemeClr val="lt1"/>
+          </a:fontRef>
+        </p:style>
+        <p:txBody>
+          <a:bodyPr rtlCol="0" anchor="ctr"/>
+          <a:lstStyle/>
+          <a:p>
+            <a:pPr algn="ctr"/>
+            <a:endParaRPr lang="ko-KR" altLang="en-US" dirty="0"/>
+          </a:p>
+        </p:txBody>
+      </p:sp>
+      <p:sp>
+        <p:nvSpPr>
+          <p:cNvPr id="22" name="TextBox 21">
+            <a:extLst>
+              <a:ext uri="{FF2B5EF4-FFF2-40B4-BE49-F238E27FC236}">
+                <a16:creationId xmlns:a16="http://schemas.microsoft.com/office/drawing/2014/main" id="{7319DE87-DB1B-4C0D-9B99-6F3C5F2437F0}"/>
+              </a:ext>
+            </a:extLst>
+          </p:cNvPr>
+          <p:cNvSpPr txBox="1"/>
+          <p:nvPr/>
+        </p:nvSpPr>
+        <p:spPr>
+          <a:xfrm>
+            <a:off x="5441685" y="1558278"/>
+            <a:ext cx="2256928" cy="523220"/>
+          </a:xfrm>
+          <a:prstGeom prst="rect">
+            <a:avLst/>
+          </a:prstGeom>
+          <a:noFill/>
+        </p:spPr>
+        <p:txBody>
+          <a:bodyPr wrap="square" rtlCol="0">
+            <a:spAutoFit/>
+          </a:bodyPr>
+          <a:lstStyle/>
+          <a:p>
+            <a:pPr algn="ctr"/>
+            <a:r>
+              <a:rPr lang="ko-KR" altLang="en-US" sz="1400" b="1" dirty="0">
+                <a:solidFill>
+                  <a:srgbClr val="71AE48"/>
+                </a:solidFill>
+                <a:latin typeface="한컴 고딕" panose="02000500000000000000" pitchFamily="2" charset="-127"/>
+                <a:ea typeface="한컴 고딕" panose="02000500000000000000" pitchFamily="2" charset="-127"/>
+              </a:rPr>
+              <a:t>입력 도중</a:t>
+            </a:r>
+            <a:endParaRPr lang="en-US" altLang="ko-KR" sz="1400" b="1" dirty="0">
+              <a:solidFill>
+                <a:srgbClr val="71AE48"/>
+              </a:solidFill>
+              <a:latin typeface="한컴 고딕" panose="02000500000000000000" pitchFamily="2" charset="-127"/>
+              <a:ea typeface="한컴 고딕" panose="02000500000000000000" pitchFamily="2" charset="-127"/>
+            </a:endParaRPr>
+          </a:p>
+          <a:p>
+            <a:pPr algn="ctr"/>
+            <a:r>
+              <a:rPr lang="ko-KR" altLang="en-US" sz="1400" b="1" dirty="0">
+                <a:solidFill>
+                  <a:srgbClr val="71AE48"/>
+                </a:solidFill>
+                <a:latin typeface="한컴 고딕" panose="02000500000000000000" pitchFamily="2" charset="-127"/>
+                <a:ea typeface="한컴 고딕" panose="02000500000000000000" pitchFamily="2" charset="-127"/>
+              </a:rPr>
+              <a:t>오타가 난 경우</a:t>
+            </a:r>
+          </a:p>
+        </p:txBody>
+      </p:sp>
+      <p:sp>
+        <p:nvSpPr>
+          <p:cNvPr id="23" name="TextBox 22">
+            <a:extLst>
+              <a:ext uri="{FF2B5EF4-FFF2-40B4-BE49-F238E27FC236}">
+                <a16:creationId xmlns:a16="http://schemas.microsoft.com/office/drawing/2014/main" id="{46F4640C-1EBC-447A-92D9-1F0EFBE6AE8B}"/>
+              </a:ext>
+            </a:extLst>
+          </p:cNvPr>
+          <p:cNvSpPr txBox="1"/>
+          <p:nvPr/>
+        </p:nvSpPr>
+        <p:spPr>
+          <a:xfrm>
+            <a:off x="5983552" y="4745572"/>
+            <a:ext cx="2256928" cy="307777"/>
+          </a:xfrm>
+          <a:prstGeom prst="rect">
+            <a:avLst/>
+          </a:prstGeom>
+          <a:noFill/>
+        </p:spPr>
+        <p:txBody>
+          <a:bodyPr wrap="square" rtlCol="0">
+            <a:spAutoFit/>
+          </a:bodyPr>
+          <a:lstStyle/>
+          <a:p>
+            <a:r>
+              <a:rPr lang="ko-KR" altLang="en-US" sz="1400" b="1" dirty="0">
+                <a:solidFill>
+                  <a:srgbClr val="71AE48"/>
+                </a:solidFill>
+                <a:latin typeface="한컴 고딕" panose="02000500000000000000" pitchFamily="2" charset="-127"/>
+                <a:ea typeface="한컴 고딕" panose="02000500000000000000" pitchFamily="2" charset="-127"/>
+              </a:rPr>
+              <a:t>올바른 입력</a:t>
+            </a:r>
+          </a:p>
+        </p:txBody>
+      </p:sp>
     </p:spTree>
     <p:extLst>
       <p:ext uri="{BB962C8B-B14F-4D97-AF65-F5344CB8AC3E}">
@@ -18982,6 +19555,173 @@
                 <a:prstClr val="white"/>
               </a:solidFill>
             </a:endParaRPr>
+          </a:p>
+        </p:txBody>
+      </p:sp>
+      <p:pic>
+        <p:nvPicPr>
+          <p:cNvPr id="3" name="그림 2">
+            <a:extLst>
+              <a:ext uri="{FF2B5EF4-FFF2-40B4-BE49-F238E27FC236}">
+                <a16:creationId xmlns:a16="http://schemas.microsoft.com/office/drawing/2014/main" id="{4C5E9ACA-8E23-43D8-90F1-BCCF26434497}"/>
+              </a:ext>
+            </a:extLst>
+          </p:cNvPr>
+          <p:cNvPicPr>
+            <a:picLocks noChangeAspect="1"/>
+          </p:cNvPicPr>
+          <p:nvPr/>
+        </p:nvPicPr>
+        <p:blipFill>
+          <a:blip r:embed="rId2" cstate="print">
+            <a:extLst>
+              <a:ext uri="{28A0092B-C50C-407E-A947-70E740481C1C}">
+                <a14:useLocalDpi xmlns:a14="http://schemas.microsoft.com/office/drawing/2010/main" val="0"/>
+              </a:ext>
+            </a:extLst>
+          </a:blip>
+          <a:stretch>
+            <a:fillRect/>
+          </a:stretch>
+        </p:blipFill>
+        <p:spPr>
+          <a:xfrm>
+            <a:off x="2131692" y="1830174"/>
+            <a:ext cx="2759905" cy="3565952"/>
+          </a:xfrm>
+          <a:prstGeom prst="rect">
+            <a:avLst/>
+          </a:prstGeom>
+        </p:spPr>
+      </p:pic>
+      <p:pic>
+        <p:nvPicPr>
+          <p:cNvPr id="6" name="그림 5">
+            <a:extLst>
+              <a:ext uri="{FF2B5EF4-FFF2-40B4-BE49-F238E27FC236}">
+                <a16:creationId xmlns:a16="http://schemas.microsoft.com/office/drawing/2014/main" id="{F6E4875D-C8BC-4309-BA5A-767F36C4EA2D}"/>
+              </a:ext>
+            </a:extLst>
+          </p:cNvPr>
+          <p:cNvPicPr>
+            <a:picLocks noChangeAspect="1"/>
+          </p:cNvPicPr>
+          <p:nvPr/>
+        </p:nvPicPr>
+        <p:blipFill>
+          <a:blip r:embed="rId3" cstate="print">
+            <a:extLst>
+              <a:ext uri="{28A0092B-C50C-407E-A947-70E740481C1C}">
+                <a14:useLocalDpi xmlns:a14="http://schemas.microsoft.com/office/drawing/2010/main" val="0"/>
+              </a:ext>
+            </a:extLst>
+          </a:blip>
+          <a:stretch>
+            <a:fillRect/>
+          </a:stretch>
+        </p:blipFill>
+        <p:spPr>
+          <a:xfrm>
+            <a:off x="7728258" y="1839052"/>
+            <a:ext cx="2986746" cy="3565952"/>
+          </a:xfrm>
+          <a:prstGeom prst="rect">
+            <a:avLst/>
+          </a:prstGeom>
+        </p:spPr>
+      </p:pic>
+      <p:sp>
+        <p:nvSpPr>
+          <p:cNvPr id="12" name="화살표: 오른쪽 11">
+            <a:extLst>
+              <a:ext uri="{FF2B5EF4-FFF2-40B4-BE49-F238E27FC236}">
+                <a16:creationId xmlns:a16="http://schemas.microsoft.com/office/drawing/2014/main" id="{678649EF-D5A2-47C3-A643-B96D9EE1C95C}"/>
+              </a:ext>
+            </a:extLst>
+          </p:cNvPr>
+          <p:cNvSpPr/>
+          <p:nvPr/>
+        </p:nvSpPr>
+        <p:spPr>
+          <a:xfrm>
+            <a:off x="5465184" y="3379553"/>
+            <a:ext cx="1781298" cy="246413"/>
+          </a:xfrm>
+          <a:prstGeom prst="rightArrow">
+            <a:avLst/>
+          </a:prstGeom>
+          <a:solidFill>
+            <a:srgbClr val="71AE48"/>
+          </a:solidFill>
+          <a:ln>
+            <a:solidFill>
+              <a:srgbClr val="71AE48"/>
+            </a:solidFill>
+          </a:ln>
+        </p:spPr>
+        <p:style>
+          <a:lnRef idx="2">
+            <a:schemeClr val="accent1">
+              <a:shade val="50000"/>
+            </a:schemeClr>
+          </a:lnRef>
+          <a:fillRef idx="1">
+            <a:schemeClr val="accent1"/>
+          </a:fillRef>
+          <a:effectRef idx="0">
+            <a:schemeClr val="accent1"/>
+          </a:effectRef>
+          <a:fontRef idx="minor">
+            <a:schemeClr val="lt1"/>
+          </a:fontRef>
+        </p:style>
+        <p:txBody>
+          <a:bodyPr rtlCol="0" anchor="ctr"/>
+          <a:lstStyle/>
+          <a:p>
+            <a:pPr algn="ctr"/>
+            <a:endParaRPr lang="ko-KR" altLang="en-US" dirty="0"/>
+          </a:p>
+        </p:txBody>
+      </p:sp>
+      <p:sp>
+        <p:nvSpPr>
+          <p:cNvPr id="13" name="TextBox 12">
+            <a:extLst>
+              <a:ext uri="{FF2B5EF4-FFF2-40B4-BE49-F238E27FC236}">
+                <a16:creationId xmlns:a16="http://schemas.microsoft.com/office/drawing/2014/main" id="{9F353794-CA21-4378-97C9-9E09F8B0D4C7}"/>
+              </a:ext>
+            </a:extLst>
+          </p:cNvPr>
+          <p:cNvSpPr txBox="1"/>
+          <p:nvPr/>
+        </p:nvSpPr>
+        <p:spPr>
+          <a:xfrm>
+            <a:off x="5610688" y="3121223"/>
+            <a:ext cx="2256928" cy="307777"/>
+          </a:xfrm>
+          <a:prstGeom prst="rect">
+            <a:avLst/>
+          </a:prstGeom>
+          <a:noFill/>
+        </p:spPr>
+        <p:txBody>
+          <a:bodyPr wrap="square" rtlCol="0">
+            <a:spAutoFit/>
+          </a:bodyPr>
+          <a:lstStyle/>
+          <a:p>
+            <a:r>
+              <a:rPr lang="ko-KR" altLang="en-US" sz="1400" b="1" dirty="0">
+                <a:solidFill>
+                  <a:srgbClr val="71AE48"/>
+                </a:solidFill>
+                <a:latin typeface="한컴 고딕" panose="02000500000000000000" pitchFamily="2" charset="-127"/>
+                <a:ea typeface="한컴 고딕" panose="02000500000000000000" pitchFamily="2" charset="-127"/>
+              </a:rPr>
+              <a:t>다른 시간표 추천</a:t>
+            </a:r>
           </a:p>
         </p:txBody>
       </p:sp>
